--- a/Avant-Projet/Réunion/[MSF]ReunionDeLancement.pptx
+++ b/Avant-Projet/Réunion/[MSF]ReunionDeLancement.pptx
@@ -7,8 +7,8 @@
   <p:sldIdLst>
     <p:sldId id="256" r:id="rId2"/>
     <p:sldId id="257" r:id="rId3"/>
-    <p:sldId id="264" r:id="rId4"/>
-    <p:sldId id="265" r:id="rId5"/>
+    <p:sldId id="265" r:id="rId4"/>
+    <p:sldId id="264" r:id="rId5"/>
     <p:sldId id="259" r:id="rId6"/>
     <p:sldId id="260" r:id="rId7"/>
     <p:sldId id="258" r:id="rId8"/>
@@ -115,6 +115,11 @@
       </a:defRPr>
     </a:lvl9pPr>
   </p:defaultTextStyle>
+  <p:extLst>
+    <p:ext uri="{EFAFB233-063F-42B5-8137-9DF3F51BA10A}">
+      <p15:sldGuideLst xmlns:p15="http://schemas.microsoft.com/office/powerpoint/2012/main"/>
+    </p:ext>
+  </p:extLst>
 </p:presentation>
 </file>
 
@@ -912,6 +917,13 @@
     <dgm:pt modelId="{807B1EE6-67D5-473D-9131-ABD2726640BA}" type="sibTrans" cxnId="{6B5C5B74-8055-4020-B207-2530CE728D89}">
       <dgm:prSet/>
       <dgm:spPr/>
+      <dgm:t>
+        <a:bodyPr/>
+        <a:lstStyle/>
+        <a:p>
+          <a:endParaRPr lang="fr-FR"/>
+        </a:p>
+      </dgm:t>
     </dgm:pt>
     <dgm:pt modelId="{2AE91A93-5861-4168-B684-2C673C14069C}">
       <dgm:prSet phldrT="[Texte]"/>
@@ -942,6 +954,13 @@
     <dgm:pt modelId="{BCE906EC-A081-4D53-AE62-9551439EED27}" type="sibTrans" cxnId="{204DE7A2-7504-4E36-9B22-69634289E3C0}">
       <dgm:prSet custT="1"/>
       <dgm:spPr/>
+      <dgm:t>
+        <a:bodyPr/>
+        <a:lstStyle/>
+        <a:p>
+          <a:endParaRPr lang="fr-FR"/>
+        </a:p>
+      </dgm:t>
     </dgm:pt>
     <dgm:pt modelId="{440F7F62-0101-4182-929E-96EF9C593A39}">
       <dgm:prSet phldrT="[Texte]"/>
@@ -972,6 +991,13 @@
     <dgm:pt modelId="{F0E8851E-6B23-4888-B6B6-63674A64FD03}" type="sibTrans" cxnId="{9B3FF581-C3FC-440E-9A8E-BF0AEFDFC241}">
       <dgm:prSet/>
       <dgm:spPr/>
+      <dgm:t>
+        <a:bodyPr/>
+        <a:lstStyle/>
+        <a:p>
+          <a:endParaRPr lang="fr-FR"/>
+        </a:p>
+      </dgm:t>
     </dgm:pt>
     <dgm:pt modelId="{6A2E0A16-0FDA-4BE4-98E3-C545A7BC04D5}">
       <dgm:prSet phldrT="[Texte]"/>
@@ -982,8 +1008,13 @@
         <a:p>
           <a:r>
             <a:rPr lang="fr-FR" dirty="0"/>
-            <a:t>Olivier SPINELLI</a:t>
+            <a:t>Olivier </a:t>
           </a:r>
+          <a:r>
+            <a:rPr lang="fr-FR" dirty="0" err="1" smtClean="0"/>
+            <a:t>Spinelli</a:t>
+          </a:r>
+          <a:endParaRPr lang="fr-FR" dirty="0"/>
         </a:p>
       </dgm:t>
     </dgm:pt>
@@ -1001,6 +1032,13 @@
     <dgm:pt modelId="{7F2C8E92-06B4-4C76-857A-7066BE38E32D}" type="sibTrans" cxnId="{31387F93-17C8-4151-B2F5-DE8D888F07A7}">
       <dgm:prSet/>
       <dgm:spPr/>
+      <dgm:t>
+        <a:bodyPr/>
+        <a:lstStyle/>
+        <a:p>
+          <a:endParaRPr lang="fr-FR"/>
+        </a:p>
+      </dgm:t>
     </dgm:pt>
     <dgm:pt modelId="{78E999E5-5795-4B2A-909E-62C4C7E159EA}">
       <dgm:prSet phldrT="[Texte]"/>
@@ -1031,6 +1069,13 @@
     <dgm:pt modelId="{BB842378-7867-4A6C-A9BD-D3BC1648B629}" type="sibTrans" cxnId="{656F41D7-12C4-4670-8A29-3721536528B9}">
       <dgm:prSet/>
       <dgm:spPr/>
+      <dgm:t>
+        <a:bodyPr/>
+        <a:lstStyle/>
+        <a:p>
+          <a:endParaRPr lang="fr-FR"/>
+        </a:p>
+      </dgm:t>
     </dgm:pt>
     <dgm:pt modelId="{D9344735-C249-4378-A710-36E5E5C49B18}" type="pres">
       <dgm:prSet presAssocID="{F2BE441B-0246-46C2-B016-082E11B874FF}" presName="Name0" presStyleCnt="0">
@@ -1357,25 +1402,25 @@
     </dgm:pt>
   </dgm:ptLst>
   <dgm:cxnLst>
+    <dgm:cxn modelId="{AA52AACA-3B17-45FE-91FB-B4E32FFC4769}" type="presOf" srcId="{440F7F62-0101-4182-929E-96EF9C593A39}" destId="{B4EFD5E9-94B1-4A48-A471-FCEF16996BE3}" srcOrd="1" destOrd="0" presId="urn:microsoft.com/office/officeart/2008/layout/HalfCircleOrganizationChart"/>
+    <dgm:cxn modelId="{60EB50EE-FD66-4AED-8010-B8A89CD1D903}" type="presOf" srcId="{6A2E0A16-0FDA-4BE4-98E3-C545A7BC04D5}" destId="{C556FC61-46BA-4BF1-A379-B041C5D54E2B}" srcOrd="0" destOrd="0" presId="urn:microsoft.com/office/officeart/2008/layout/HalfCircleOrganizationChart"/>
+    <dgm:cxn modelId="{1AB9E5B7-B471-4116-A815-5E765D2165B6}" type="presOf" srcId="{5A1F1F46-CE81-4275-93DB-3A673CA38722}" destId="{0F8C4B59-051B-4B42-9B1E-B766406A6444}" srcOrd="0" destOrd="0" presId="urn:microsoft.com/office/officeart/2008/layout/HalfCircleOrganizationChart"/>
+    <dgm:cxn modelId="{CC0FD8E3-E7D0-48D3-B14C-1C8404002287}" type="presOf" srcId="{440F7F62-0101-4182-929E-96EF9C593A39}" destId="{BF2BCC30-897B-4348-BFD7-669BF7DC2CC1}" srcOrd="0" destOrd="0" presId="urn:microsoft.com/office/officeart/2008/layout/HalfCircleOrganizationChart"/>
+    <dgm:cxn modelId="{FD38FCC9-4906-4CF1-ABF5-55926367F06D}" type="presOf" srcId="{2AE91A93-5861-4168-B684-2C673C14069C}" destId="{0130423C-BCD4-46C6-B6F9-ED7A04CD5888}" srcOrd="0" destOrd="0" presId="urn:microsoft.com/office/officeart/2008/layout/HalfCircleOrganizationChart"/>
+    <dgm:cxn modelId="{B370728B-149D-471C-805C-2379A9986047}" type="presOf" srcId="{78E999E5-5795-4B2A-909E-62C4C7E159EA}" destId="{79C28234-36E0-4873-B4D2-4493F9577507}" srcOrd="0" destOrd="0" presId="urn:microsoft.com/office/officeart/2008/layout/HalfCircleOrganizationChart"/>
+    <dgm:cxn modelId="{1AD88DA2-3D5C-4FCD-AEAE-A8FA7A641200}" type="presOf" srcId="{2AE91A93-5861-4168-B684-2C673C14069C}" destId="{3940B292-8C19-4D85-8EBC-F4DE32F8DA1D}" srcOrd="1" destOrd="0" presId="urn:microsoft.com/office/officeart/2008/layout/HalfCircleOrganizationChart"/>
+    <dgm:cxn modelId="{9FFBBEEC-3663-4DD3-B79E-9BBA844F282F}" type="presOf" srcId="{78E999E5-5795-4B2A-909E-62C4C7E159EA}" destId="{47E9A7BF-3088-4D9E-A202-F53881689818}" srcOrd="1" destOrd="0" presId="urn:microsoft.com/office/officeart/2008/layout/HalfCircleOrganizationChart"/>
+    <dgm:cxn modelId="{30458BB4-F26D-4F7A-8ED1-E71F8A9D9202}" type="presOf" srcId="{9A60F368-F3F1-4B43-9C01-7383E4D13A9E}" destId="{37E60906-DDD2-460F-B505-7E45F4F5D76E}" srcOrd="0" destOrd="0" presId="urn:microsoft.com/office/officeart/2008/layout/HalfCircleOrganizationChart"/>
+    <dgm:cxn modelId="{31387F93-17C8-4151-B2F5-DE8D888F07A7}" srcId="{F2BE441B-0246-46C2-B016-082E11B874FF}" destId="{6A2E0A16-0FDA-4BE4-98E3-C545A7BC04D5}" srcOrd="1" destOrd="0" parTransId="{A88527DA-85B2-4A84-A882-43D85C4DDBC2}" sibTransId="{7F2C8E92-06B4-4C76-857A-7066BE38E32D}"/>
+    <dgm:cxn modelId="{656F41D7-12C4-4670-8A29-3721536528B9}" srcId="{2AE91A93-5861-4168-B684-2C673C14069C}" destId="{78E999E5-5795-4B2A-909E-62C4C7E159EA}" srcOrd="1" destOrd="0" parTransId="{4F4A61D6-C6A6-4434-9A04-8E244F21CBAF}" sibTransId="{BB842378-7867-4A6C-A9BD-D3BC1648B629}"/>
+    <dgm:cxn modelId="{D08A79E1-0925-4B05-9B2C-959D2EF51A26}" type="presOf" srcId="{9A60F368-F3F1-4B43-9C01-7383E4D13A9E}" destId="{A4AC1C11-AFB3-412A-BD7D-49FD7CE6B64A}" srcOrd="1" destOrd="0" presId="urn:microsoft.com/office/officeart/2008/layout/HalfCircleOrganizationChart"/>
     <dgm:cxn modelId="{1618018A-B22C-41CC-8E0F-0F1C64E8BB49}" type="presOf" srcId="{4F4A61D6-C6A6-4434-9A04-8E244F21CBAF}" destId="{1EEF7F39-1474-4D44-8F91-258B32309D71}" srcOrd="0" destOrd="0" presId="urn:microsoft.com/office/officeart/2008/layout/HalfCircleOrganizationChart"/>
     <dgm:cxn modelId="{F589C401-1E89-4575-A46B-7C3CEFF454CF}" type="presOf" srcId="{6A2E0A16-0FDA-4BE4-98E3-C545A7BC04D5}" destId="{3529B448-A486-4CA1-9377-9960FA9C1B10}" srcOrd="1" destOrd="0" presId="urn:microsoft.com/office/officeart/2008/layout/HalfCircleOrganizationChart"/>
-    <dgm:cxn modelId="{1AD88DA2-3D5C-4FCD-AEAE-A8FA7A641200}" type="presOf" srcId="{2AE91A93-5861-4168-B684-2C673C14069C}" destId="{3940B292-8C19-4D85-8EBC-F4DE32F8DA1D}" srcOrd="1" destOrd="0" presId="urn:microsoft.com/office/officeart/2008/layout/HalfCircleOrganizationChart"/>
-    <dgm:cxn modelId="{31387F93-17C8-4151-B2F5-DE8D888F07A7}" srcId="{F2BE441B-0246-46C2-B016-082E11B874FF}" destId="{6A2E0A16-0FDA-4BE4-98E3-C545A7BC04D5}" srcOrd="1" destOrd="0" parTransId="{A88527DA-85B2-4A84-A882-43D85C4DDBC2}" sibTransId="{7F2C8E92-06B4-4C76-857A-7066BE38E32D}"/>
-    <dgm:cxn modelId="{AA52AACA-3B17-45FE-91FB-B4E32FFC4769}" type="presOf" srcId="{440F7F62-0101-4182-929E-96EF9C593A39}" destId="{B4EFD5E9-94B1-4A48-A471-FCEF16996BE3}" srcOrd="1" destOrd="0" presId="urn:microsoft.com/office/officeart/2008/layout/HalfCircleOrganizationChart"/>
     <dgm:cxn modelId="{204DE7A2-7504-4E36-9B22-69634289E3C0}" srcId="{6A2E0A16-0FDA-4BE4-98E3-C545A7BC04D5}" destId="{2AE91A93-5861-4168-B684-2C673C14069C}" srcOrd="0" destOrd="0" parTransId="{B4C4349C-DE9A-4166-A766-37F13401977F}" sibTransId="{BCE906EC-A081-4D53-AE62-9551439EED27}"/>
-    <dgm:cxn modelId="{CC0FD8E3-E7D0-48D3-B14C-1C8404002287}" type="presOf" srcId="{440F7F62-0101-4182-929E-96EF9C593A39}" destId="{BF2BCC30-897B-4348-BFD7-669BF7DC2CC1}" srcOrd="0" destOrd="0" presId="urn:microsoft.com/office/officeart/2008/layout/HalfCircleOrganizationChart"/>
-    <dgm:cxn modelId="{1AB9E5B7-B471-4116-A815-5E765D2165B6}" type="presOf" srcId="{5A1F1F46-CE81-4275-93DB-3A673CA38722}" destId="{0F8C4B59-051B-4B42-9B1E-B766406A6444}" srcOrd="0" destOrd="0" presId="urn:microsoft.com/office/officeart/2008/layout/HalfCircleOrganizationChart"/>
-    <dgm:cxn modelId="{D08A79E1-0925-4B05-9B2C-959D2EF51A26}" type="presOf" srcId="{9A60F368-F3F1-4B43-9C01-7383E4D13A9E}" destId="{A4AC1C11-AFB3-412A-BD7D-49FD7CE6B64A}" srcOrd="1" destOrd="0" presId="urn:microsoft.com/office/officeart/2008/layout/HalfCircleOrganizationChart"/>
-    <dgm:cxn modelId="{9FFBBEEC-3663-4DD3-B79E-9BBA844F282F}" type="presOf" srcId="{78E999E5-5795-4B2A-909E-62C4C7E159EA}" destId="{47E9A7BF-3088-4D9E-A202-F53881689818}" srcOrd="1" destOrd="0" presId="urn:microsoft.com/office/officeart/2008/layout/HalfCircleOrganizationChart"/>
-    <dgm:cxn modelId="{60EB50EE-FD66-4AED-8010-B8A89CD1D903}" type="presOf" srcId="{6A2E0A16-0FDA-4BE4-98E3-C545A7BC04D5}" destId="{C556FC61-46BA-4BF1-A379-B041C5D54E2B}" srcOrd="0" destOrd="0" presId="urn:microsoft.com/office/officeart/2008/layout/HalfCircleOrganizationChart"/>
-    <dgm:cxn modelId="{FD38FCC9-4906-4CF1-ABF5-55926367F06D}" type="presOf" srcId="{2AE91A93-5861-4168-B684-2C673C14069C}" destId="{0130423C-BCD4-46C6-B6F9-ED7A04CD5888}" srcOrd="0" destOrd="0" presId="urn:microsoft.com/office/officeart/2008/layout/HalfCircleOrganizationChart"/>
+    <dgm:cxn modelId="{6B5C5B74-8055-4020-B207-2530CE728D89}" srcId="{F2BE441B-0246-46C2-B016-082E11B874FF}" destId="{9A60F368-F3F1-4B43-9C01-7383E4D13A9E}" srcOrd="0" destOrd="0" parTransId="{5B56EE13-DE6D-49F6-A509-799FA6167DD5}" sibTransId="{807B1EE6-67D5-473D-9131-ABD2726640BA}"/>
+    <dgm:cxn modelId="{16B3A017-419B-451B-ACD8-874263A540FF}" type="presOf" srcId="{F2BE441B-0246-46C2-B016-082E11B874FF}" destId="{D9344735-C249-4378-A710-36E5E5C49B18}" srcOrd="0" destOrd="0" presId="urn:microsoft.com/office/officeart/2008/layout/HalfCircleOrganizationChart"/>
+    <dgm:cxn modelId="{761352AF-2453-443F-B618-0461A451DB42}" type="presOf" srcId="{B4C4349C-DE9A-4166-A766-37F13401977F}" destId="{E227AB5F-E2D7-4AB5-BEB5-1804CC7D4689}" srcOrd="0" destOrd="0" presId="urn:microsoft.com/office/officeart/2008/layout/HalfCircleOrganizationChart"/>
     <dgm:cxn modelId="{9B3FF581-C3FC-440E-9A8E-BF0AEFDFC241}" srcId="{2AE91A93-5861-4168-B684-2C673C14069C}" destId="{440F7F62-0101-4182-929E-96EF9C593A39}" srcOrd="0" destOrd="0" parTransId="{5A1F1F46-CE81-4275-93DB-3A673CA38722}" sibTransId="{F0E8851E-6B23-4888-B6B6-63674A64FD03}"/>
-    <dgm:cxn modelId="{B370728B-149D-471C-805C-2379A9986047}" type="presOf" srcId="{78E999E5-5795-4B2A-909E-62C4C7E159EA}" destId="{79C28234-36E0-4873-B4D2-4493F9577507}" srcOrd="0" destOrd="0" presId="urn:microsoft.com/office/officeart/2008/layout/HalfCircleOrganizationChart"/>
-    <dgm:cxn modelId="{30458BB4-F26D-4F7A-8ED1-E71F8A9D9202}" type="presOf" srcId="{9A60F368-F3F1-4B43-9C01-7383E4D13A9E}" destId="{37E60906-DDD2-460F-B505-7E45F4F5D76E}" srcOrd="0" destOrd="0" presId="urn:microsoft.com/office/officeart/2008/layout/HalfCircleOrganizationChart"/>
-    <dgm:cxn modelId="{656F41D7-12C4-4670-8A29-3721536528B9}" srcId="{2AE91A93-5861-4168-B684-2C673C14069C}" destId="{78E999E5-5795-4B2A-909E-62C4C7E159EA}" srcOrd="1" destOrd="0" parTransId="{4F4A61D6-C6A6-4434-9A04-8E244F21CBAF}" sibTransId="{BB842378-7867-4A6C-A9BD-D3BC1648B629}"/>
-    <dgm:cxn modelId="{16B3A017-419B-451B-ACD8-874263A540FF}" type="presOf" srcId="{F2BE441B-0246-46C2-B016-082E11B874FF}" destId="{D9344735-C249-4378-A710-36E5E5C49B18}" srcOrd="0" destOrd="0" presId="urn:microsoft.com/office/officeart/2008/layout/HalfCircleOrganizationChart"/>
-    <dgm:cxn modelId="{6B5C5B74-8055-4020-B207-2530CE728D89}" srcId="{F2BE441B-0246-46C2-B016-082E11B874FF}" destId="{9A60F368-F3F1-4B43-9C01-7383E4D13A9E}" srcOrd="0" destOrd="0" parTransId="{5B56EE13-DE6D-49F6-A509-799FA6167DD5}" sibTransId="{807B1EE6-67D5-473D-9131-ABD2726640BA}"/>
-    <dgm:cxn modelId="{761352AF-2453-443F-B618-0461A451DB42}" type="presOf" srcId="{B4C4349C-DE9A-4166-A766-37F13401977F}" destId="{E227AB5F-E2D7-4AB5-BEB5-1804CC7D4689}" srcOrd="0" destOrd="0" presId="urn:microsoft.com/office/officeart/2008/layout/HalfCircleOrganizationChart"/>
     <dgm:cxn modelId="{287B71D8-86FD-4F17-90F8-F1B423909AFC}" type="presParOf" srcId="{D9344735-C249-4378-A710-36E5E5C49B18}" destId="{6F22B48A-B730-447A-8F4C-54A9D2929173}" srcOrd="0" destOrd="0" presId="urn:microsoft.com/office/officeart/2008/layout/HalfCircleOrganizationChart"/>
     <dgm:cxn modelId="{EA49B447-DC29-4E0C-827C-6CBE148E5F4A}" type="presParOf" srcId="{6F22B48A-B730-447A-8F4C-54A9D2929173}" destId="{CA00952A-8BA1-470D-83D4-8EFE717CF844}" srcOrd="0" destOrd="0" presId="urn:microsoft.com/office/officeart/2008/layout/HalfCircleOrganizationChart"/>
     <dgm:cxn modelId="{99043D2B-69A0-41D6-AA15-C5A8E8F70382}" type="presParOf" srcId="{CA00952A-8BA1-470D-83D4-8EFE717CF844}" destId="{37E60906-DDD2-460F-B505-7E45F4F5D76E}" srcOrd="0" destOrd="0" presId="urn:microsoft.com/office/officeart/2008/layout/HalfCircleOrganizationChart"/>
@@ -1731,12 +1776,12 @@
         <a:fontRef idx="minor"/>
       </dsp:style>
       <dsp:txBody>
-        <a:bodyPr spcFirstLastPara="0" vert="horz" wrap="square" lIns="11430" tIns="11430" rIns="11430" bIns="11430" numCol="1" spcCol="1270" anchor="ctr" anchorCtr="0">
+        <a:bodyPr spcFirstLastPara="0" vert="horz" wrap="square" lIns="12065" tIns="12065" rIns="12065" bIns="12065" numCol="1" spcCol="1270" anchor="ctr" anchorCtr="0">
           <a:noAutofit/>
         </a:bodyPr>
         <a:lstStyle/>
         <a:p>
-          <a:pPr lvl="0" algn="ctr" defTabSz="800100">
+          <a:pPr lvl="0" algn="ctr" defTabSz="844550">
             <a:lnSpc>
               <a:spcPct val="90000"/>
             </a:lnSpc>
@@ -1748,14 +1793,14 @@
             </a:spcAft>
           </a:pPr>
           <a:r>
-            <a:rPr lang="fr-FR" sz="1800" kern="1200" dirty="0" smtClean="0"/>
+            <a:rPr lang="fr-FR" sz="1900" kern="1200" dirty="0" smtClean="0"/>
             <a:t>Valéry </a:t>
           </a:r>
           <a:r>
-            <a:rPr lang="fr-FR" sz="1800" kern="1200" dirty="0" err="1" smtClean="0"/>
+            <a:rPr lang="fr-FR" sz="1900" kern="1200" dirty="0" err="1" smtClean="0"/>
             <a:t>Farcy</a:t>
           </a:r>
-          <a:endParaRPr lang="fr-FR" sz="1800" kern="1200" dirty="0"/>
+          <a:endParaRPr lang="fr-FR" sz="1900" kern="1200" dirty="0"/>
         </a:p>
       </dsp:txBody>
       <dsp:txXfrm>
@@ -1885,12 +1930,12 @@
         <a:fontRef idx="minor"/>
       </dsp:style>
       <dsp:txBody>
-        <a:bodyPr spcFirstLastPara="0" vert="horz" wrap="square" lIns="11430" tIns="11430" rIns="11430" bIns="11430" numCol="1" spcCol="1270" anchor="ctr" anchorCtr="0">
+        <a:bodyPr spcFirstLastPara="0" vert="horz" wrap="square" lIns="12065" tIns="12065" rIns="12065" bIns="12065" numCol="1" spcCol="1270" anchor="ctr" anchorCtr="0">
           <a:noAutofit/>
         </a:bodyPr>
         <a:lstStyle/>
         <a:p>
-          <a:pPr lvl="0" algn="ctr" defTabSz="800100">
+          <a:pPr lvl="0" algn="ctr" defTabSz="844550">
             <a:lnSpc>
               <a:spcPct val="90000"/>
             </a:lnSpc>
@@ -1902,9 +1947,14 @@
             </a:spcAft>
           </a:pPr>
           <a:r>
-            <a:rPr lang="fr-FR" sz="1800" kern="1200" dirty="0"/>
-            <a:t>Olivier SPINELLI</a:t>
+            <a:rPr lang="fr-FR" sz="1900" kern="1200" dirty="0"/>
+            <a:t>Olivier </a:t>
           </a:r>
+          <a:r>
+            <a:rPr lang="fr-FR" sz="1900" kern="1200" dirty="0" err="1" smtClean="0"/>
+            <a:t>Spinelli</a:t>
+          </a:r>
+          <a:endParaRPr lang="fr-FR" sz="1900" kern="1200" dirty="0"/>
         </a:p>
       </dsp:txBody>
       <dsp:txXfrm>
@@ -2034,12 +2084,12 @@
         <a:fontRef idx="minor"/>
       </dsp:style>
       <dsp:txBody>
-        <a:bodyPr spcFirstLastPara="0" vert="horz" wrap="square" lIns="11430" tIns="11430" rIns="11430" bIns="11430" numCol="1" spcCol="1270" anchor="ctr" anchorCtr="0">
+        <a:bodyPr spcFirstLastPara="0" vert="horz" wrap="square" lIns="12065" tIns="12065" rIns="12065" bIns="12065" numCol="1" spcCol="1270" anchor="ctr" anchorCtr="0">
           <a:noAutofit/>
         </a:bodyPr>
         <a:lstStyle/>
         <a:p>
-          <a:pPr lvl="0" algn="ctr" defTabSz="800100">
+          <a:pPr lvl="0" algn="ctr" defTabSz="844550">
             <a:lnSpc>
               <a:spcPct val="90000"/>
             </a:lnSpc>
@@ -2051,10 +2101,10 @@
             </a:spcAft>
           </a:pPr>
           <a:r>
-            <a:rPr lang="fr-FR" sz="1800" kern="1200" dirty="0" smtClean="0"/>
+            <a:rPr lang="fr-FR" sz="1900" kern="1200" dirty="0" smtClean="0"/>
             <a:t>Bessalel Cohen</a:t>
           </a:r>
-          <a:endParaRPr lang="fr-FR" sz="1800" kern="1200" dirty="0"/>
+          <a:endParaRPr lang="fr-FR" sz="1900" kern="1200" dirty="0"/>
         </a:p>
       </dsp:txBody>
       <dsp:txXfrm>
@@ -2184,12 +2234,12 @@
         <a:fontRef idx="minor"/>
       </dsp:style>
       <dsp:txBody>
-        <a:bodyPr spcFirstLastPara="0" vert="horz" wrap="square" lIns="11430" tIns="11430" rIns="11430" bIns="11430" numCol="1" spcCol="1270" anchor="ctr" anchorCtr="0">
+        <a:bodyPr spcFirstLastPara="0" vert="horz" wrap="square" lIns="12065" tIns="12065" rIns="12065" bIns="12065" numCol="1" spcCol="1270" anchor="ctr" anchorCtr="0">
           <a:noAutofit/>
         </a:bodyPr>
         <a:lstStyle/>
         <a:p>
-          <a:pPr lvl="0" algn="ctr" defTabSz="800100">
+          <a:pPr lvl="0" algn="ctr" defTabSz="844550">
             <a:lnSpc>
               <a:spcPct val="90000"/>
             </a:lnSpc>
@@ -2201,10 +2251,10 @@
             </a:spcAft>
           </a:pPr>
           <a:r>
-            <a:rPr lang="fr-FR" sz="1800" kern="1200" dirty="0" smtClean="0"/>
+            <a:rPr lang="fr-FR" sz="1900" kern="1200" dirty="0" smtClean="0"/>
             <a:t>Julien Bernard</a:t>
           </a:r>
-          <a:endParaRPr lang="fr-FR" sz="1800" kern="1200" dirty="0"/>
+          <a:endParaRPr lang="fr-FR" sz="1900" kern="1200" dirty="0"/>
         </a:p>
       </dsp:txBody>
       <dsp:txXfrm>
@@ -2334,12 +2384,12 @@
         <a:fontRef idx="minor"/>
       </dsp:style>
       <dsp:txBody>
-        <a:bodyPr spcFirstLastPara="0" vert="horz" wrap="square" lIns="11430" tIns="11430" rIns="11430" bIns="11430" numCol="1" spcCol="1270" anchor="ctr" anchorCtr="0">
+        <a:bodyPr spcFirstLastPara="0" vert="horz" wrap="square" lIns="12065" tIns="12065" rIns="12065" bIns="12065" numCol="1" spcCol="1270" anchor="ctr" anchorCtr="0">
           <a:noAutofit/>
         </a:bodyPr>
         <a:lstStyle/>
         <a:p>
-          <a:pPr lvl="0" algn="ctr" defTabSz="800100">
+          <a:pPr lvl="0" algn="ctr" defTabSz="844550">
             <a:lnSpc>
               <a:spcPct val="90000"/>
             </a:lnSpc>
@@ -2351,10 +2401,10 @@
             </a:spcAft>
           </a:pPr>
           <a:r>
-            <a:rPr lang="fr-FR" sz="1800" kern="1200" dirty="0" smtClean="0"/>
+            <a:rPr lang="fr-FR" sz="1900" kern="1200" dirty="0" smtClean="0"/>
             <a:t>Vincent Ricard</a:t>
           </a:r>
-          <a:endParaRPr lang="fr-FR" sz="1800" kern="1200" dirty="0"/>
+          <a:endParaRPr lang="fr-FR" sz="1900" kern="1200" dirty="0"/>
         </a:p>
       </dsp:txBody>
       <dsp:txXfrm>
@@ -10954,6 +11004,18 @@
   <p:clrMapOvr>
     <a:masterClrMapping/>
   </p:clrMapOvr>
+  <mc:AlternateContent xmlns:mc="http://schemas.openxmlformats.org/markup-compatibility/2006">
+    <mc:Choice xmlns:p14="http://schemas.microsoft.com/office/powerpoint/2010/main" Requires="p14">
+      <p:transition spd="slow" p14:dur="3000">
+        <p14:shred/>
+      </p:transition>
+    </mc:Choice>
+    <mc:Fallback>
+      <p:transition spd="slow">
+        <p:fade/>
+      </p:transition>
+    </mc:Fallback>
+  </mc:AlternateContent>
   <p:timing>
     <p:tnLst>
       <p:par>
@@ -11072,6 +11134,18 @@
   <p:clrMapOvr>
     <a:masterClrMapping/>
   </p:clrMapOvr>
+  <mc:AlternateContent xmlns:mc="http://schemas.openxmlformats.org/markup-compatibility/2006">
+    <mc:Choice xmlns:p15="http://schemas.microsoft.com/office/powerpoint/2012/main" Requires="p15">
+      <p:transition xmlns:p14="http://schemas.microsoft.com/office/powerpoint/2010/main" spd="slow" p14:dur="2000">
+        <p15:prstTrans prst="wind"/>
+      </p:transition>
+    </mc:Choice>
+    <mc:Fallback>
+      <p:transition spd="slow">
+        <p:fade/>
+      </p:transition>
+    </mc:Fallback>
+  </mc:AlternateContent>
   <p:timing>
     <p:tnLst>
       <p:par>
@@ -11137,7 +11211,7 @@
             <p:ph idx="1"/>
             <p:extLst>
               <p:ext uri="{D42A27DB-BD31-4B8C-83A1-F6EECF244321}">
-                <p14:modId xmlns:p14="http://schemas.microsoft.com/office/powerpoint/2010/main" val="142065000"/>
+                <p14:modId xmlns:p14="http://schemas.microsoft.com/office/powerpoint/2010/main" val="620923826"/>
               </p:ext>
             </p:extLst>
           </p:nvPr>
@@ -11363,7 +11437,7 @@
                         <a:rPr lang="fr-FR" sz="1800" dirty="0" smtClean="0">
                           <a:effectLst/>
                         </a:rPr>
-                        <a:t>Problème lié au multiplateformes.</a:t>
+                        <a:t>Problème lié au multiplateforme</a:t>
                       </a:r>
                       <a:endParaRPr lang="fr-FR" sz="1800" dirty="0">
                         <a:effectLst/>
@@ -11417,7 +11491,13 @@
                         <a:rPr lang="fr-FR" sz="1800" baseline="0" dirty="0" smtClean="0">
                           <a:effectLst/>
                         </a:rPr>
-                        <a:t> langage utilisé (Java) est multiplateformes</a:t>
+                        <a:t> langage utilisé (Java) est </a:t>
+                      </a:r>
+                      <a:r>
+                        <a:rPr lang="fr-FR" sz="1800" baseline="0" dirty="0" smtClean="0">
+                          <a:effectLst/>
+                        </a:rPr>
+                        <a:t>multiplateforme</a:t>
                       </a:r>
                       <a:endParaRPr lang="fr-FR" sz="1800" dirty="0">
                         <a:effectLst/>
@@ -11567,6 +11647,18 @@
   <p:clrMapOvr>
     <a:masterClrMapping/>
   </p:clrMapOvr>
+  <mc:AlternateContent xmlns:mc="http://schemas.openxmlformats.org/markup-compatibility/2006">
+    <mc:Choice xmlns:p15="http://schemas.microsoft.com/office/powerpoint/2012/main" Requires="p15">
+      <p:transition xmlns:p14="http://schemas.microsoft.com/office/powerpoint/2010/main" spd="slow" p14:dur="2000">
+        <p15:prstTrans prst="prestige"/>
+      </p:transition>
+    </mc:Choice>
+    <mc:Fallback>
+      <p:transition spd="slow">
+        <p:fade/>
+      </p:transition>
+    </mc:Fallback>
+  </mc:AlternateContent>
   <p:timing>
     <p:tnLst>
       <p:par>
@@ -11651,6 +11743,18 @@
   <p:clrMapOvr>
     <a:masterClrMapping/>
   </p:clrMapOvr>
+  <mc:AlternateContent xmlns:mc="http://schemas.openxmlformats.org/markup-compatibility/2006">
+    <mc:Choice xmlns:p15="http://schemas.microsoft.com/office/powerpoint/2012/main" Requires="p15">
+      <p:transition xmlns:p14="http://schemas.microsoft.com/office/powerpoint/2010/main" spd="slow" p14:dur="2000">
+        <p15:prstTrans prst="fracture"/>
+      </p:transition>
+    </mc:Choice>
+    <mc:Fallback>
+      <p:transition spd="slow">
+        <p:fade/>
+      </p:transition>
+    </mc:Fallback>
+  </mc:AlternateContent>
   <p:timing>
     <p:tnLst>
       <p:par>
@@ -11716,7 +11820,7 @@
             <p:ph idx="1"/>
             <p:extLst>
               <p:ext uri="{D42A27DB-BD31-4B8C-83A1-F6EECF244321}">
-                <p14:modId xmlns:p14="http://schemas.microsoft.com/office/powerpoint/2010/main" val="3287422808"/>
+                <p14:modId xmlns:p14="http://schemas.microsoft.com/office/powerpoint/2010/main" val="2655299073"/>
               </p:ext>
             </p:extLst>
           </p:nvPr>
@@ -11741,6 +11845,9 @@
   <p:clrMapOvr>
     <a:masterClrMapping/>
   </p:clrMapOvr>
+  <p:transition spd="slow">
+    <p:wipe/>
+  </p:transition>
   <p:timing>
     <p:tnLst>
       <p:par>
@@ -11818,7 +11925,7 @@
             </a:pPr>
             <a:r>
               <a:rPr lang="fr-FR" b="1" dirty="0" smtClean="0"/>
-              <a:t>Pitch :</a:t>
+              <a:t>Contexte :</a:t>
             </a:r>
             <a:endParaRPr lang="fr-FR" b="1" dirty="0"/>
           </a:p>
@@ -11827,16 +11934,8 @@
               <a:buNone/>
             </a:pPr>
             <a:r>
-              <a:rPr lang="fr-FR" dirty="0" smtClean="0"/>
-              <a:t>Sobre </a:t>
-            </a:r>
-            <a:r>
               <a:rPr lang="fr-FR" dirty="0"/>
-              <a:t>et nomade, MSF réunit vos comptes sociaux avec une simplicité sans égale pour une lecture rapide sur une seule et même application. Partagez facile avec MySocialFeed </a:t>
-            </a:r>
-            <a:r>
-              <a:rPr lang="fr-FR" dirty="0" smtClean="0"/>
-              <a:t>!</a:t>
+              <a:t>Le projet MySocialFeed est réalisé dans le cadre du Projet Industriel de semestre 4&amp;5 à IN'TECH INFO. Le langage de programmation utilisé est principalement Java. </a:t>
             </a:r>
           </a:p>
         </p:txBody>
@@ -11844,13 +11943,25 @@
     </p:spTree>
     <p:extLst>
       <p:ext uri="{BB962C8B-B14F-4D97-AF65-F5344CB8AC3E}">
-        <p14:creationId xmlns:p14="http://schemas.microsoft.com/office/powerpoint/2010/main" val="4026901035"/>
+        <p14:creationId xmlns:p14="http://schemas.microsoft.com/office/powerpoint/2010/main" val="1619944177"/>
       </p:ext>
     </p:extLst>
   </p:cSld>
   <p:clrMapOvr>
     <a:masterClrMapping/>
   </p:clrMapOvr>
+  <mc:AlternateContent xmlns:mc="http://schemas.openxmlformats.org/markup-compatibility/2006">
+    <mc:Choice xmlns:p14="http://schemas.microsoft.com/office/powerpoint/2010/main" Requires="p14">
+      <p:transition spd="slow" p14:dur="2500">
+        <p:checker/>
+      </p:transition>
+    </mc:Choice>
+    <mc:Fallback>
+      <p:transition spd="slow">
+        <p:checker/>
+      </p:transition>
+    </mc:Fallback>
+  </mc:AlternateContent>
   <p:timing>
     <p:tnLst>
       <p:par>
@@ -11928,7 +12039,7 @@
             </a:pPr>
             <a:r>
               <a:rPr lang="fr-FR" b="1" dirty="0" smtClean="0"/>
-              <a:t>Contexte :</a:t>
+              <a:t>Pitch :</a:t>
             </a:r>
             <a:endParaRPr lang="fr-FR" b="1" dirty="0"/>
           </a:p>
@@ -11937,8 +12048,16 @@
               <a:buNone/>
             </a:pPr>
             <a:r>
+              <a:rPr lang="fr-FR" dirty="0" smtClean="0"/>
+              <a:t>Sobre </a:t>
+            </a:r>
+            <a:r>
               <a:rPr lang="fr-FR" dirty="0"/>
-              <a:t>Le projet MySocialFeed est réalisé dans le cadre du Projet Industriel de semestre 4&amp;5 à IN'TECH INFO. Le langage de programmation utilisé est principalement Java. </a:t>
+              <a:t>et nomade, MSF réunit vos comptes sociaux avec une simplicité sans égale pour une lecture rapide sur une seule et même application. Partagez facile avec MySocialFeed </a:t>
+            </a:r>
+            <a:r>
+              <a:rPr lang="fr-FR" dirty="0" smtClean="0"/>
+              <a:t>!</a:t>
             </a:r>
           </a:p>
         </p:txBody>
@@ -11946,13 +12065,25 @@
     </p:spTree>
     <p:extLst>
       <p:ext uri="{BB962C8B-B14F-4D97-AF65-F5344CB8AC3E}">
-        <p14:creationId xmlns:p14="http://schemas.microsoft.com/office/powerpoint/2010/main" val="1619944177"/>
+        <p14:creationId xmlns:p14="http://schemas.microsoft.com/office/powerpoint/2010/main" val="4026901035"/>
       </p:ext>
     </p:extLst>
   </p:cSld>
   <p:clrMapOvr>
     <a:masterClrMapping/>
   </p:clrMapOvr>
+  <mc:AlternateContent xmlns:mc="http://schemas.openxmlformats.org/markup-compatibility/2006">
+    <mc:Choice xmlns:p14="http://schemas.microsoft.com/office/powerpoint/2010/main" Requires="p14">
+      <p:transition spd="slow" p14:dur="1500">
+        <p:split orient="vert"/>
+      </p:transition>
+    </mc:Choice>
+    <mc:Fallback>
+      <p:transition spd="slow">
+        <p:split orient="vert"/>
+      </p:transition>
+    </mc:Fallback>
+  </mc:AlternateContent>
   <p:timing>
     <p:tnLst>
       <p:par>
@@ -12030,7 +12161,23 @@
             </a:pPr>
             <a:r>
               <a:rPr lang="x-none" dirty="0" smtClean="0"/>
-              <a:t>Récupérer les flux provenant de réseaux sociaux</a:t>
+              <a:t>Récupérer les flux </a:t>
+            </a:r>
+            <a:r>
+              <a:rPr lang="x-none" dirty="0" smtClean="0"/>
+              <a:t>provenant</a:t>
+            </a:r>
+            <a:r>
+              <a:rPr lang="fr-FR" dirty="0" smtClean="0"/>
+              <a:t>s</a:t>
+            </a:r>
+            <a:r>
+              <a:rPr lang="x-none" dirty="0" smtClean="0"/>
+              <a:t> </a:t>
+            </a:r>
+            <a:r>
+              <a:rPr lang="x-none" dirty="0" smtClean="0"/>
+              <a:t>de réseaux sociaux</a:t>
             </a:r>
             <a:r>
               <a:rPr lang="fr-FR" dirty="0" smtClean="0"/>
@@ -12070,6 +12217,9 @@
   <p:clrMapOvr>
     <a:masterClrMapping/>
   </p:clrMapOvr>
+  <p:transition spd="med">
+    <p:pull/>
+  </p:transition>
   <p:timing>
     <p:tnLst>
       <p:par>
@@ -12214,6 +12364,18 @@
   <p:clrMapOvr>
     <a:masterClrMapping/>
   </p:clrMapOvr>
+  <mc:AlternateContent xmlns:mc="http://schemas.openxmlformats.org/markup-compatibility/2006">
+    <mc:Choice xmlns:p15="http://schemas.microsoft.com/office/powerpoint/2012/main" Requires="p15">
+      <p:transition xmlns:p14="http://schemas.microsoft.com/office/powerpoint/2010/main" spd="slow" p14:dur="1250">
+        <p15:prstTrans prst="peelOff"/>
+      </p:transition>
+    </mc:Choice>
+    <mc:Fallback>
+      <p:transition spd="slow">
+        <p:fade/>
+      </p:transition>
+    </mc:Fallback>
+  </mc:AlternateContent>
   <p:timing>
     <p:tnLst>
       <p:par>
@@ -12398,6 +12560,18 @@
   <p:clrMapOvr>
     <a:masterClrMapping/>
   </p:clrMapOvr>
+  <mc:AlternateContent xmlns:mc="http://schemas.openxmlformats.org/markup-compatibility/2006">
+    <mc:Choice xmlns:p15="http://schemas.microsoft.com/office/powerpoint/2012/main" Requires="p15">
+      <p:transition xmlns:p14="http://schemas.microsoft.com/office/powerpoint/2010/main" spd="slow" p14:dur="2000">
+        <p15:prstTrans prst="fallOver"/>
+      </p:transition>
+    </mc:Choice>
+    <mc:Fallback>
+      <p:transition spd="slow">
+        <p:fade/>
+      </p:transition>
+    </mc:Fallback>
+  </mc:AlternateContent>
   <p:timing>
     <p:tnLst>
       <p:par>
@@ -12480,6 +12654,18 @@
   <p:clrMapOvr>
     <a:masterClrMapping/>
   </p:clrMapOvr>
+  <mc:AlternateContent xmlns:mc="http://schemas.openxmlformats.org/markup-compatibility/2006">
+    <mc:Choice xmlns:p15="http://schemas.microsoft.com/office/powerpoint/2012/main" Requires="p15">
+      <p:transition xmlns:p14="http://schemas.microsoft.com/office/powerpoint/2010/main" spd="slow" p14:dur="2000">
+        <p15:prstTrans prst="drape"/>
+      </p:transition>
+    </mc:Choice>
+    <mc:Fallback>
+      <p:transition spd="slow">
+        <p:fade/>
+      </p:transition>
+    </mc:Fallback>
+  </mc:AlternateContent>
   <p:timing>
     <p:tnLst>
       <p:par>
@@ -12573,6 +12759,18 @@
   <p:clrMapOvr>
     <a:masterClrMapping/>
   </p:clrMapOvr>
+  <mc:AlternateContent xmlns:mc="http://schemas.openxmlformats.org/markup-compatibility/2006">
+    <mc:Choice xmlns:p14="http://schemas.microsoft.com/office/powerpoint/2010/main" Requires="p14">
+      <p:transition spd="slow" p14:dur="1600">
+        <p14:gallery dir="l"/>
+      </p:transition>
+    </mc:Choice>
+    <mc:Fallback>
+      <p:transition spd="slow">
+        <p:fade/>
+      </p:transition>
+    </mc:Fallback>
+  </mc:AlternateContent>
   <p:timing>
     <p:tnLst>
       <p:par>
